--- a/Recitation6.pptx
+++ b/Recitation6.pptx
@@ -9921,7 +9921,7 @@
               <a:rPr lang="en-US" sz="2900" dirty="0" err="1">
                 <a:latin typeface="Consolas" panose="020B0609020204030204" pitchFamily="49" charset="0"/>
               </a:rPr>
-              <a:t>compl</a:t>
+              <a:t>cmpl</a:t>
             </a:r>
             <a:r>
               <a:rPr lang="en-US" sz="2900" dirty="0">

--- a/Recitation6.pptx
+++ b/Recitation6.pptx
@@ -234,7 +234,7 @@
           <a:p>
             <a:fld id="{3D099148-D34A-41A6-BEC3-8A5C8F042928}" type="datetimeFigureOut">
               <a:rPr lang="en-US" smtClean="0"/>
-              <a:t>3/4/2021</a:t>
+              <a:t>3/5/2021</a:t>
             </a:fld>
             <a:endParaRPr lang="en-US"/>
           </a:p>
@@ -648,7 +648,7 @@
           <a:p>
             <a:fld id="{32287BA5-1830-4F05-A5E7-D294432091DF}" type="datetimeFigureOut">
               <a:rPr lang="en-US" smtClean="0"/>
-              <a:t>3/4/2021</a:t>
+              <a:t>3/5/2021</a:t>
             </a:fld>
             <a:endParaRPr lang="en-US"/>
           </a:p>
@@ -846,7 +846,7 @@
           <a:p>
             <a:fld id="{32287BA5-1830-4F05-A5E7-D294432091DF}" type="datetimeFigureOut">
               <a:rPr lang="en-US" smtClean="0"/>
-              <a:t>3/4/2021</a:t>
+              <a:t>3/5/2021</a:t>
             </a:fld>
             <a:endParaRPr lang="en-US"/>
           </a:p>
@@ -1054,7 +1054,7 @@
           <a:p>
             <a:fld id="{32287BA5-1830-4F05-A5E7-D294432091DF}" type="datetimeFigureOut">
               <a:rPr lang="en-US" smtClean="0"/>
-              <a:t>3/4/2021</a:t>
+              <a:t>3/5/2021</a:t>
             </a:fld>
             <a:endParaRPr lang="en-US"/>
           </a:p>
@@ -1252,7 +1252,7 @@
           <a:p>
             <a:fld id="{32287BA5-1830-4F05-A5E7-D294432091DF}" type="datetimeFigureOut">
               <a:rPr lang="en-US" smtClean="0"/>
-              <a:t>3/4/2021</a:t>
+              <a:t>3/5/2021</a:t>
             </a:fld>
             <a:endParaRPr lang="en-US"/>
           </a:p>
@@ -1527,7 +1527,7 @@
           <a:p>
             <a:fld id="{32287BA5-1830-4F05-A5E7-D294432091DF}" type="datetimeFigureOut">
               <a:rPr lang="en-US" smtClean="0"/>
-              <a:t>3/4/2021</a:t>
+              <a:t>3/5/2021</a:t>
             </a:fld>
             <a:endParaRPr lang="en-US"/>
           </a:p>
@@ -1792,7 +1792,7 @@
           <a:p>
             <a:fld id="{32287BA5-1830-4F05-A5E7-D294432091DF}" type="datetimeFigureOut">
               <a:rPr lang="en-US" smtClean="0"/>
-              <a:t>3/4/2021</a:t>
+              <a:t>3/5/2021</a:t>
             </a:fld>
             <a:endParaRPr lang="en-US"/>
           </a:p>
@@ -2204,7 +2204,7 @@
           <a:p>
             <a:fld id="{32287BA5-1830-4F05-A5E7-D294432091DF}" type="datetimeFigureOut">
               <a:rPr lang="en-US" smtClean="0"/>
-              <a:t>3/4/2021</a:t>
+              <a:t>3/5/2021</a:t>
             </a:fld>
             <a:endParaRPr lang="en-US"/>
           </a:p>
@@ -2345,7 +2345,7 @@
           <a:p>
             <a:fld id="{32287BA5-1830-4F05-A5E7-D294432091DF}" type="datetimeFigureOut">
               <a:rPr lang="en-US" smtClean="0"/>
-              <a:t>3/4/2021</a:t>
+              <a:t>3/5/2021</a:t>
             </a:fld>
             <a:endParaRPr lang="en-US"/>
           </a:p>
@@ -2458,7 +2458,7 @@
           <a:p>
             <a:fld id="{32287BA5-1830-4F05-A5E7-D294432091DF}" type="datetimeFigureOut">
               <a:rPr lang="en-US" smtClean="0"/>
-              <a:t>3/4/2021</a:t>
+              <a:t>3/5/2021</a:t>
             </a:fld>
             <a:endParaRPr lang="en-US"/>
           </a:p>
@@ -2769,7 +2769,7 @@
           <a:p>
             <a:fld id="{32287BA5-1830-4F05-A5E7-D294432091DF}" type="datetimeFigureOut">
               <a:rPr lang="en-US" smtClean="0"/>
-              <a:t>3/4/2021</a:t>
+              <a:t>3/5/2021</a:t>
             </a:fld>
             <a:endParaRPr lang="en-US"/>
           </a:p>
@@ -3057,7 +3057,7 @@
           <a:p>
             <a:fld id="{32287BA5-1830-4F05-A5E7-D294432091DF}" type="datetimeFigureOut">
               <a:rPr lang="en-US" smtClean="0"/>
-              <a:t>3/4/2021</a:t>
+              <a:t>3/5/2021</a:t>
             </a:fld>
             <a:endParaRPr lang="en-US"/>
           </a:p>
@@ -3298,7 +3298,7 @@
           <a:p>
             <a:fld id="{32287BA5-1830-4F05-A5E7-D294432091DF}" type="datetimeFigureOut">
               <a:rPr lang="en-US" smtClean="0"/>
-              <a:t>3/4/2021</a:t>
+              <a:t>3/5/2021</a:t>
             </a:fld>
             <a:endParaRPr lang="en-US"/>
           </a:p>
@@ -16935,16 +16935,10 @@
               <a:buNone/>
             </a:pPr>
             <a:r>
-              <a:rPr lang="en-US" sz="2400" dirty="0">
-                <a:latin typeface="Consolas" panose="020B0609020204030204" pitchFamily="49" charset="0"/>
-              </a:rPr>
-              <a:t>	</a:t>
-            </a:r>
-            <a:r>
-              <a:rPr lang="en-US" sz="2400" dirty="0" err="1">
-                <a:latin typeface="Consolas" panose="020B0609020204030204" pitchFamily="49" charset="0"/>
-              </a:rPr>
-              <a:t>i</a:t>
+              <a:rPr lang="en-US" sz="2400">
+                <a:latin typeface="Consolas" panose="020B0609020204030204" pitchFamily="49" charset="0"/>
+              </a:rPr>
+              <a:t>	int i</a:t>
             </a:r>
             <a:r>
               <a:rPr lang="en-US" sz="2400" dirty="0">

--- a/Recitation6.pptx
+++ b/Recitation6.pptx
@@ -16935,10 +16935,16 @@
               <a:buNone/>
             </a:pPr>
             <a:r>
-              <a:rPr lang="en-US" sz="2400">
-                <a:latin typeface="Consolas" panose="020B0609020204030204" pitchFamily="49" charset="0"/>
-              </a:rPr>
-              <a:t>	int i</a:t>
+              <a:rPr lang="en-US" sz="2400" dirty="0">
+                <a:latin typeface="Consolas" panose="020B0609020204030204" pitchFamily="49" charset="0"/>
+              </a:rPr>
+              <a:t>	</a:t>
+            </a:r>
+            <a:r>
+              <a:rPr lang="en-US" sz="2400" dirty="0" err="1">
+                <a:latin typeface="Consolas" panose="020B0609020204030204" pitchFamily="49" charset="0"/>
+              </a:rPr>
+              <a:t>i</a:t>
             </a:r>
             <a:r>
               <a:rPr lang="en-US" sz="2400" dirty="0">
@@ -18945,13 +18951,13 @@
               <a:buNone/>
             </a:pPr>
             <a:r>
-              <a:rPr lang="en-US" sz="2200" dirty="0">
-                <a:latin typeface="Consolas" panose="020B0609020204030204" pitchFamily="49" charset="0"/>
-              </a:rPr>
-              <a:t>	</a:t>
-            </a:r>
-            <a:r>
-              <a:rPr lang="en-US" sz="2000" dirty="0" err="1">
+              <a:rPr lang="en-US" sz="2200">
+                <a:latin typeface="Consolas" panose="020B0609020204030204" pitchFamily="49" charset="0"/>
+              </a:rPr>
+              <a:t>	int </a:t>
+            </a:r>
+            <a:r>
+              <a:rPr lang="en-US" sz="2000">
                 <a:latin typeface="Consolas" panose="020B0609020204030204" pitchFamily="49" charset="0"/>
               </a:rPr>
               <a:t>i</a:t>
